--- a/presentations/QiskitShit.pptx
+++ b/presentations/QiskitShit.pptx
@@ -20,6 +20,7 @@
     <p:sldId id="266" r:id="rId14"/>
     <p:sldId id="269" r:id="rId15"/>
     <p:sldId id="270" r:id="rId16"/>
+    <p:sldId id="272" r:id="rId17"/>
   </p:sldIdLst>
   <p:sldSz cx="12192000" cy="6858000"/>
   <p:notesSz cx="6858000" cy="9144000"/>
@@ -275,7 +276,7 @@
           <a:p>
             <a:fld id="{1E4BE5A9-FD20-43B9-835B-43FAAFC84BF3}" type="datetimeFigureOut">
               <a:rPr lang="en-CA" smtClean="0"/>
-              <a:t>2019-02-15</a:t>
+              <a:t>2019-02-16</a:t>
             </a:fld>
             <a:endParaRPr lang="en-CA"/>
           </a:p>
@@ -475,7 +476,7 @@
           <a:p>
             <a:fld id="{1E4BE5A9-FD20-43B9-835B-43FAAFC84BF3}" type="datetimeFigureOut">
               <a:rPr lang="en-CA" smtClean="0"/>
-              <a:t>2019-02-15</a:t>
+              <a:t>2019-02-16</a:t>
             </a:fld>
             <a:endParaRPr lang="en-CA"/>
           </a:p>
@@ -685,7 +686,7 @@
           <a:p>
             <a:fld id="{1E4BE5A9-FD20-43B9-835B-43FAAFC84BF3}" type="datetimeFigureOut">
               <a:rPr lang="en-CA" smtClean="0"/>
-              <a:t>2019-02-15</a:t>
+              <a:t>2019-02-16</a:t>
             </a:fld>
             <a:endParaRPr lang="en-CA"/>
           </a:p>
@@ -885,7 +886,7 @@
           <a:p>
             <a:fld id="{1E4BE5A9-FD20-43B9-835B-43FAAFC84BF3}" type="datetimeFigureOut">
               <a:rPr lang="en-CA" smtClean="0"/>
-              <a:t>2019-02-15</a:t>
+              <a:t>2019-02-16</a:t>
             </a:fld>
             <a:endParaRPr lang="en-CA"/>
           </a:p>
@@ -1161,7 +1162,7 @@
           <a:p>
             <a:fld id="{1E4BE5A9-FD20-43B9-835B-43FAAFC84BF3}" type="datetimeFigureOut">
               <a:rPr lang="en-CA" smtClean="0"/>
-              <a:t>2019-02-15</a:t>
+              <a:t>2019-02-16</a:t>
             </a:fld>
             <a:endParaRPr lang="en-CA"/>
           </a:p>
@@ -1429,7 +1430,7 @@
           <a:p>
             <a:fld id="{1E4BE5A9-FD20-43B9-835B-43FAAFC84BF3}" type="datetimeFigureOut">
               <a:rPr lang="en-CA" smtClean="0"/>
-              <a:t>2019-02-15</a:t>
+              <a:t>2019-02-16</a:t>
             </a:fld>
             <a:endParaRPr lang="en-CA"/>
           </a:p>
@@ -1844,7 +1845,7 @@
           <a:p>
             <a:fld id="{1E4BE5A9-FD20-43B9-835B-43FAAFC84BF3}" type="datetimeFigureOut">
               <a:rPr lang="en-CA" smtClean="0"/>
-              <a:t>2019-02-15</a:t>
+              <a:t>2019-02-16</a:t>
             </a:fld>
             <a:endParaRPr lang="en-CA"/>
           </a:p>
@@ -1986,7 +1987,7 @@
           <a:p>
             <a:fld id="{1E4BE5A9-FD20-43B9-835B-43FAAFC84BF3}" type="datetimeFigureOut">
               <a:rPr lang="en-CA" smtClean="0"/>
-              <a:t>2019-02-15</a:t>
+              <a:t>2019-02-16</a:t>
             </a:fld>
             <a:endParaRPr lang="en-CA"/>
           </a:p>
@@ -2099,7 +2100,7 @@
           <a:p>
             <a:fld id="{1E4BE5A9-FD20-43B9-835B-43FAAFC84BF3}" type="datetimeFigureOut">
               <a:rPr lang="en-CA" smtClean="0"/>
-              <a:t>2019-02-15</a:t>
+              <a:t>2019-02-16</a:t>
             </a:fld>
             <a:endParaRPr lang="en-CA"/>
           </a:p>
@@ -2412,7 +2413,7 @@
           <a:p>
             <a:fld id="{1E4BE5A9-FD20-43B9-835B-43FAAFC84BF3}" type="datetimeFigureOut">
               <a:rPr lang="en-CA" smtClean="0"/>
-              <a:t>2019-02-15</a:t>
+              <a:t>2019-02-16</a:t>
             </a:fld>
             <a:endParaRPr lang="en-CA"/>
           </a:p>
@@ -2701,7 +2702,7 @@
           <a:p>
             <a:fld id="{1E4BE5A9-FD20-43B9-835B-43FAAFC84BF3}" type="datetimeFigureOut">
               <a:rPr lang="en-CA" smtClean="0"/>
-              <a:t>2019-02-15</a:t>
+              <a:t>2019-02-16</a:t>
             </a:fld>
             <a:endParaRPr lang="en-CA"/>
           </a:p>
@@ -2944,7 +2945,7 @@
           <a:p>
             <a:fld id="{1E4BE5A9-FD20-43B9-835B-43FAAFC84BF3}" type="datetimeFigureOut">
               <a:rPr lang="en-CA" smtClean="0"/>
-              <a:t>2019-02-15</a:t>
+              <a:t>2019-02-16</a:t>
             </a:fld>
             <a:endParaRPr lang="en-CA"/>
           </a:p>
@@ -10031,6 +10032,2045 @@
 </p:sld>
 </file>
 
+<file path=ppt/slides/slide16.xml><?xml version="1.0" encoding="utf-8"?>
+<p:sld xmlns:a="http://schemas.openxmlformats.org/drawingml/2006/main" xmlns:r="http://schemas.openxmlformats.org/officeDocument/2006/relationships" xmlns:p="http://schemas.openxmlformats.org/presentationml/2006/main">
+  <p:cSld>
+    <p:spTree>
+      <p:nvGrpSpPr>
+        <p:cNvPr id="1" name=""/>
+        <p:cNvGrpSpPr/>
+        <p:nvPr/>
+      </p:nvGrpSpPr>
+      <p:grpSpPr>
+        <a:xfrm>
+          <a:off x="0" y="0"/>
+          <a:ext cx="0" cy="0"/>
+          <a:chOff x="0" y="0"/>
+          <a:chExt cx="0" cy="0"/>
+        </a:xfrm>
+      </p:grpSpPr>
+      <p:sp>
+        <p:nvSpPr>
+          <p:cNvPr id="36" name="Овал 35">
+            <a:extLst>
+              <a:ext uri="{FF2B5EF4-FFF2-40B4-BE49-F238E27FC236}">
+                <a16:creationId xmlns:a16="http://schemas.microsoft.com/office/drawing/2014/main" id="{F146C92E-63B0-41D7-B9E9-FF51F1ADD75C}"/>
+              </a:ext>
+            </a:extLst>
+          </p:cNvPr>
+          <p:cNvSpPr/>
+          <p:nvPr/>
+        </p:nvSpPr>
+        <p:spPr>
+          <a:xfrm>
+            <a:off x="330150" y="2349138"/>
+            <a:ext cx="478971" cy="478971"/>
+          </a:xfrm>
+          <a:prstGeom prst="ellipse">
+            <a:avLst/>
+          </a:prstGeom>
+        </p:spPr>
+        <p:style>
+          <a:lnRef idx="2">
+            <a:schemeClr val="dk1"/>
+          </a:lnRef>
+          <a:fillRef idx="1">
+            <a:schemeClr val="lt1"/>
+          </a:fillRef>
+          <a:effectRef idx="0">
+            <a:schemeClr val="dk1"/>
+          </a:effectRef>
+          <a:fontRef idx="minor">
+            <a:schemeClr val="dk1"/>
+          </a:fontRef>
+        </p:style>
+        <p:txBody>
+          <a:bodyPr rtlCol="0" anchor="ctr"/>
+          <a:lstStyle/>
+          <a:p>
+            <a:pPr algn="ctr"/>
+            <a:r>
+              <a:rPr lang="en-CA" dirty="0"/>
+              <a:t>a</a:t>
+            </a:r>
+          </a:p>
+        </p:txBody>
+      </p:sp>
+      <p:sp>
+        <p:nvSpPr>
+          <p:cNvPr id="37" name="Овал 36">
+            <a:extLst>
+              <a:ext uri="{FF2B5EF4-FFF2-40B4-BE49-F238E27FC236}">
+                <a16:creationId xmlns:a16="http://schemas.microsoft.com/office/drawing/2014/main" id="{E9403AD9-6C98-49E3-A810-81A1FC0B3024}"/>
+              </a:ext>
+            </a:extLst>
+          </p:cNvPr>
+          <p:cNvSpPr/>
+          <p:nvPr/>
+        </p:nvSpPr>
+        <p:spPr>
+          <a:xfrm>
+            <a:off x="1231487" y="2349138"/>
+            <a:ext cx="478971" cy="478971"/>
+          </a:xfrm>
+          <a:prstGeom prst="ellipse">
+            <a:avLst/>
+          </a:prstGeom>
+        </p:spPr>
+        <p:style>
+          <a:lnRef idx="2">
+            <a:schemeClr val="dk1"/>
+          </a:lnRef>
+          <a:fillRef idx="1">
+            <a:schemeClr val="lt1"/>
+          </a:fillRef>
+          <a:effectRef idx="0">
+            <a:schemeClr val="dk1"/>
+          </a:effectRef>
+          <a:fontRef idx="minor">
+            <a:schemeClr val="dk1"/>
+          </a:fontRef>
+        </p:style>
+        <p:txBody>
+          <a:bodyPr rtlCol="0" anchor="ctr"/>
+          <a:lstStyle/>
+          <a:p>
+            <a:pPr algn="ctr"/>
+            <a:r>
+              <a:rPr lang="en-CA" dirty="0"/>
+              <a:t>c</a:t>
+            </a:r>
+          </a:p>
+        </p:txBody>
+      </p:sp>
+      <p:sp>
+        <p:nvSpPr>
+          <p:cNvPr id="38" name="Овал 37">
+            <a:extLst>
+              <a:ext uri="{FF2B5EF4-FFF2-40B4-BE49-F238E27FC236}">
+                <a16:creationId xmlns:a16="http://schemas.microsoft.com/office/drawing/2014/main" id="{94DE48B5-26E8-499F-9710-16D90E39C91E}"/>
+              </a:ext>
+            </a:extLst>
+          </p:cNvPr>
+          <p:cNvSpPr/>
+          <p:nvPr/>
+        </p:nvSpPr>
+        <p:spPr>
+          <a:xfrm>
+            <a:off x="2132824" y="2349137"/>
+            <a:ext cx="478971" cy="478971"/>
+          </a:xfrm>
+          <a:prstGeom prst="ellipse">
+            <a:avLst/>
+          </a:prstGeom>
+        </p:spPr>
+        <p:style>
+          <a:lnRef idx="2">
+            <a:schemeClr val="dk1"/>
+          </a:lnRef>
+          <a:fillRef idx="1">
+            <a:schemeClr val="lt1"/>
+          </a:fillRef>
+          <a:effectRef idx="0">
+            <a:schemeClr val="dk1"/>
+          </a:effectRef>
+          <a:fontRef idx="minor">
+            <a:schemeClr val="dk1"/>
+          </a:fontRef>
+        </p:style>
+        <p:txBody>
+          <a:bodyPr rtlCol="0" anchor="ctr"/>
+          <a:lstStyle/>
+          <a:p>
+            <a:pPr algn="ctr"/>
+            <a:r>
+              <a:rPr lang="en-CA" dirty="0"/>
+              <a:t>e</a:t>
+            </a:r>
+          </a:p>
+        </p:txBody>
+      </p:sp>
+      <p:sp>
+        <p:nvSpPr>
+          <p:cNvPr id="39" name="Овал 38">
+            <a:extLst>
+              <a:ext uri="{FF2B5EF4-FFF2-40B4-BE49-F238E27FC236}">
+                <a16:creationId xmlns:a16="http://schemas.microsoft.com/office/drawing/2014/main" id="{D7EC2B1B-9B31-4108-8169-A4EF510E28C0}"/>
+              </a:ext>
+            </a:extLst>
+          </p:cNvPr>
+          <p:cNvSpPr/>
+          <p:nvPr/>
+        </p:nvSpPr>
+        <p:spPr>
+          <a:xfrm>
+            <a:off x="330150" y="3189515"/>
+            <a:ext cx="478971" cy="478971"/>
+          </a:xfrm>
+          <a:prstGeom prst="ellipse">
+            <a:avLst/>
+          </a:prstGeom>
+        </p:spPr>
+        <p:style>
+          <a:lnRef idx="2">
+            <a:schemeClr val="dk1"/>
+          </a:lnRef>
+          <a:fillRef idx="1">
+            <a:schemeClr val="lt1"/>
+          </a:fillRef>
+          <a:effectRef idx="0">
+            <a:schemeClr val="dk1"/>
+          </a:effectRef>
+          <a:fontRef idx="minor">
+            <a:schemeClr val="dk1"/>
+          </a:fontRef>
+        </p:style>
+        <p:txBody>
+          <a:bodyPr rtlCol="0" anchor="ctr"/>
+          <a:lstStyle/>
+          <a:p>
+            <a:pPr algn="ctr"/>
+            <a:r>
+              <a:rPr lang="en-CA" dirty="0"/>
+              <a:t>b</a:t>
+            </a:r>
+          </a:p>
+        </p:txBody>
+      </p:sp>
+      <p:sp>
+        <p:nvSpPr>
+          <p:cNvPr id="40" name="Овал 39">
+            <a:extLst>
+              <a:ext uri="{FF2B5EF4-FFF2-40B4-BE49-F238E27FC236}">
+                <a16:creationId xmlns:a16="http://schemas.microsoft.com/office/drawing/2014/main" id="{7F07989F-8170-4D8C-8DD0-9EE434F991E7}"/>
+              </a:ext>
+            </a:extLst>
+          </p:cNvPr>
+          <p:cNvSpPr/>
+          <p:nvPr/>
+        </p:nvSpPr>
+        <p:spPr>
+          <a:xfrm>
+            <a:off x="1231486" y="3189515"/>
+            <a:ext cx="478971" cy="478971"/>
+          </a:xfrm>
+          <a:prstGeom prst="ellipse">
+            <a:avLst/>
+          </a:prstGeom>
+        </p:spPr>
+        <p:style>
+          <a:lnRef idx="2">
+            <a:schemeClr val="dk1"/>
+          </a:lnRef>
+          <a:fillRef idx="1">
+            <a:schemeClr val="lt1"/>
+          </a:fillRef>
+          <a:effectRef idx="0">
+            <a:schemeClr val="dk1"/>
+          </a:effectRef>
+          <a:fontRef idx="minor">
+            <a:schemeClr val="dk1"/>
+          </a:fontRef>
+        </p:style>
+        <p:txBody>
+          <a:bodyPr rtlCol="0" anchor="ctr"/>
+          <a:lstStyle/>
+          <a:p>
+            <a:pPr algn="ctr"/>
+            <a:r>
+              <a:rPr lang="en-CA" dirty="0"/>
+              <a:t>d</a:t>
+            </a:r>
+          </a:p>
+        </p:txBody>
+      </p:sp>
+      <p:sp>
+        <p:nvSpPr>
+          <p:cNvPr id="41" name="Овал 40">
+            <a:extLst>
+              <a:ext uri="{FF2B5EF4-FFF2-40B4-BE49-F238E27FC236}">
+                <a16:creationId xmlns:a16="http://schemas.microsoft.com/office/drawing/2014/main" id="{31B79FCA-EDA8-4EBE-85FA-F5B1DB9017EB}"/>
+              </a:ext>
+            </a:extLst>
+          </p:cNvPr>
+          <p:cNvSpPr/>
+          <p:nvPr/>
+        </p:nvSpPr>
+        <p:spPr>
+          <a:xfrm>
+            <a:off x="2132822" y="3191693"/>
+            <a:ext cx="478971" cy="478971"/>
+          </a:xfrm>
+          <a:prstGeom prst="ellipse">
+            <a:avLst/>
+          </a:prstGeom>
+        </p:spPr>
+        <p:style>
+          <a:lnRef idx="2">
+            <a:schemeClr val="dk1"/>
+          </a:lnRef>
+          <a:fillRef idx="1">
+            <a:schemeClr val="lt1"/>
+          </a:fillRef>
+          <a:effectRef idx="0">
+            <a:schemeClr val="dk1"/>
+          </a:effectRef>
+          <a:fontRef idx="minor">
+            <a:schemeClr val="dk1"/>
+          </a:fontRef>
+        </p:style>
+        <p:txBody>
+          <a:bodyPr rtlCol="0" anchor="ctr"/>
+          <a:lstStyle/>
+          <a:p>
+            <a:pPr algn="ctr"/>
+            <a:r>
+              <a:rPr lang="en-CA" dirty="0"/>
+              <a:t>f</a:t>
+            </a:r>
+          </a:p>
+        </p:txBody>
+      </p:sp>
+      <p:sp>
+        <p:nvSpPr>
+          <p:cNvPr id="42" name="Овал 41">
+            <a:extLst>
+              <a:ext uri="{FF2B5EF4-FFF2-40B4-BE49-F238E27FC236}">
+                <a16:creationId xmlns:a16="http://schemas.microsoft.com/office/drawing/2014/main" id="{6B13F645-5490-4724-A004-84CC63B5A567}"/>
+              </a:ext>
+            </a:extLst>
+          </p:cNvPr>
+          <p:cNvSpPr/>
+          <p:nvPr/>
+        </p:nvSpPr>
+        <p:spPr>
+          <a:xfrm>
+            <a:off x="3029276" y="2349137"/>
+            <a:ext cx="478971" cy="478971"/>
+          </a:xfrm>
+          <a:prstGeom prst="ellipse">
+            <a:avLst/>
+          </a:prstGeom>
+        </p:spPr>
+        <p:style>
+          <a:lnRef idx="2">
+            <a:schemeClr val="dk1"/>
+          </a:lnRef>
+          <a:fillRef idx="1">
+            <a:schemeClr val="lt1"/>
+          </a:fillRef>
+          <a:effectRef idx="0">
+            <a:schemeClr val="dk1"/>
+          </a:effectRef>
+          <a:fontRef idx="minor">
+            <a:schemeClr val="dk1"/>
+          </a:fontRef>
+        </p:style>
+        <p:txBody>
+          <a:bodyPr rtlCol="0" anchor="ctr"/>
+          <a:lstStyle/>
+          <a:p>
+            <a:pPr algn="ctr"/>
+            <a:r>
+              <a:rPr lang="en-CA" dirty="0"/>
+              <a:t>g</a:t>
+            </a:r>
+          </a:p>
+        </p:txBody>
+      </p:sp>
+      <p:sp>
+        <p:nvSpPr>
+          <p:cNvPr id="43" name="Овал 42">
+            <a:extLst>
+              <a:ext uri="{FF2B5EF4-FFF2-40B4-BE49-F238E27FC236}">
+                <a16:creationId xmlns:a16="http://schemas.microsoft.com/office/drawing/2014/main" id="{D652E76D-1DA3-4267-95DF-FB17E85D1C38}"/>
+              </a:ext>
+            </a:extLst>
+          </p:cNvPr>
+          <p:cNvSpPr/>
+          <p:nvPr/>
+        </p:nvSpPr>
+        <p:spPr>
+          <a:xfrm>
+            <a:off x="3925727" y="2349136"/>
+            <a:ext cx="478971" cy="478971"/>
+          </a:xfrm>
+          <a:prstGeom prst="ellipse">
+            <a:avLst/>
+          </a:prstGeom>
+        </p:spPr>
+        <p:style>
+          <a:lnRef idx="2">
+            <a:schemeClr val="dk1"/>
+          </a:lnRef>
+          <a:fillRef idx="1">
+            <a:schemeClr val="lt1"/>
+          </a:fillRef>
+          <a:effectRef idx="0">
+            <a:schemeClr val="dk1"/>
+          </a:effectRef>
+          <a:fontRef idx="minor">
+            <a:schemeClr val="dk1"/>
+          </a:fontRef>
+        </p:style>
+        <p:txBody>
+          <a:bodyPr rtlCol="0" anchor="ctr"/>
+          <a:lstStyle/>
+          <a:p>
+            <a:pPr algn="ctr"/>
+            <a:r>
+              <a:rPr lang="en-CA" dirty="0" err="1"/>
+              <a:t>i</a:t>
+            </a:r>
+            <a:endParaRPr lang="en-CA" dirty="0"/>
+          </a:p>
+        </p:txBody>
+      </p:sp>
+      <p:sp>
+        <p:nvSpPr>
+          <p:cNvPr id="44" name="Овал 43">
+            <a:extLst>
+              <a:ext uri="{FF2B5EF4-FFF2-40B4-BE49-F238E27FC236}">
+                <a16:creationId xmlns:a16="http://schemas.microsoft.com/office/drawing/2014/main" id="{39DF13A4-3217-495B-BF8C-5D0A36835AC4}"/>
+              </a:ext>
+            </a:extLst>
+          </p:cNvPr>
+          <p:cNvSpPr/>
+          <p:nvPr/>
+        </p:nvSpPr>
+        <p:spPr>
+          <a:xfrm>
+            <a:off x="4822178" y="2349135"/>
+            <a:ext cx="478971" cy="478971"/>
+          </a:xfrm>
+          <a:prstGeom prst="ellipse">
+            <a:avLst/>
+          </a:prstGeom>
+        </p:spPr>
+        <p:style>
+          <a:lnRef idx="2">
+            <a:schemeClr val="dk1"/>
+          </a:lnRef>
+          <a:fillRef idx="1">
+            <a:schemeClr val="lt1"/>
+          </a:fillRef>
+          <a:effectRef idx="0">
+            <a:schemeClr val="dk1"/>
+          </a:effectRef>
+          <a:fontRef idx="minor">
+            <a:schemeClr val="dk1"/>
+          </a:fontRef>
+        </p:style>
+        <p:txBody>
+          <a:bodyPr rtlCol="0" anchor="ctr"/>
+          <a:lstStyle/>
+          <a:p>
+            <a:pPr algn="ctr"/>
+            <a:r>
+              <a:rPr lang="en-CA" dirty="0"/>
+              <a:t>k</a:t>
+            </a:r>
+          </a:p>
+        </p:txBody>
+      </p:sp>
+      <p:sp>
+        <p:nvSpPr>
+          <p:cNvPr id="45" name="Овал 44">
+            <a:extLst>
+              <a:ext uri="{FF2B5EF4-FFF2-40B4-BE49-F238E27FC236}">
+                <a16:creationId xmlns:a16="http://schemas.microsoft.com/office/drawing/2014/main" id="{6C0BF59D-B258-4696-BD10-1A5222E0E5BE}"/>
+              </a:ext>
+            </a:extLst>
+          </p:cNvPr>
+          <p:cNvSpPr/>
+          <p:nvPr/>
+        </p:nvSpPr>
+        <p:spPr>
+          <a:xfrm>
+            <a:off x="3029275" y="3189514"/>
+            <a:ext cx="478971" cy="478971"/>
+          </a:xfrm>
+          <a:prstGeom prst="ellipse">
+            <a:avLst/>
+          </a:prstGeom>
+        </p:spPr>
+        <p:style>
+          <a:lnRef idx="2">
+            <a:schemeClr val="dk1"/>
+          </a:lnRef>
+          <a:fillRef idx="1">
+            <a:schemeClr val="lt1"/>
+          </a:fillRef>
+          <a:effectRef idx="0">
+            <a:schemeClr val="dk1"/>
+          </a:effectRef>
+          <a:fontRef idx="minor">
+            <a:schemeClr val="dk1"/>
+          </a:fontRef>
+        </p:style>
+        <p:txBody>
+          <a:bodyPr rtlCol="0" anchor="ctr"/>
+          <a:lstStyle/>
+          <a:p>
+            <a:pPr algn="ctr"/>
+            <a:r>
+              <a:rPr lang="en-CA" dirty="0"/>
+              <a:t>h</a:t>
+            </a:r>
+          </a:p>
+        </p:txBody>
+      </p:sp>
+      <p:sp>
+        <p:nvSpPr>
+          <p:cNvPr id="46" name="Овал 45">
+            <a:extLst>
+              <a:ext uri="{FF2B5EF4-FFF2-40B4-BE49-F238E27FC236}">
+                <a16:creationId xmlns:a16="http://schemas.microsoft.com/office/drawing/2014/main" id="{BA4A172D-99E1-4FC8-9C69-91836872F36C}"/>
+              </a:ext>
+            </a:extLst>
+          </p:cNvPr>
+          <p:cNvSpPr/>
+          <p:nvPr/>
+        </p:nvSpPr>
+        <p:spPr>
+          <a:xfrm>
+            <a:off x="3925728" y="3189514"/>
+            <a:ext cx="478971" cy="478971"/>
+          </a:xfrm>
+          <a:prstGeom prst="ellipse">
+            <a:avLst/>
+          </a:prstGeom>
+        </p:spPr>
+        <p:style>
+          <a:lnRef idx="2">
+            <a:schemeClr val="dk1"/>
+          </a:lnRef>
+          <a:fillRef idx="1">
+            <a:schemeClr val="lt1"/>
+          </a:fillRef>
+          <a:effectRef idx="0">
+            <a:schemeClr val="dk1"/>
+          </a:effectRef>
+          <a:fontRef idx="minor">
+            <a:schemeClr val="dk1"/>
+          </a:fontRef>
+        </p:style>
+        <p:txBody>
+          <a:bodyPr rtlCol="0" anchor="ctr"/>
+          <a:lstStyle/>
+          <a:p>
+            <a:pPr algn="ctr"/>
+            <a:r>
+              <a:rPr lang="en-CA" dirty="0"/>
+              <a:t>j</a:t>
+            </a:r>
+          </a:p>
+        </p:txBody>
+      </p:sp>
+      <p:sp>
+        <p:nvSpPr>
+          <p:cNvPr id="47" name="Овал 46">
+            <a:extLst>
+              <a:ext uri="{FF2B5EF4-FFF2-40B4-BE49-F238E27FC236}">
+                <a16:creationId xmlns:a16="http://schemas.microsoft.com/office/drawing/2014/main" id="{40FF467E-7D27-4636-9CC5-64440B840252}"/>
+              </a:ext>
+            </a:extLst>
+          </p:cNvPr>
+          <p:cNvSpPr/>
+          <p:nvPr/>
+        </p:nvSpPr>
+        <p:spPr>
+          <a:xfrm>
+            <a:off x="4822178" y="3189513"/>
+            <a:ext cx="478971" cy="478971"/>
+          </a:xfrm>
+          <a:prstGeom prst="ellipse">
+            <a:avLst/>
+          </a:prstGeom>
+        </p:spPr>
+        <p:style>
+          <a:lnRef idx="2">
+            <a:schemeClr val="dk1"/>
+          </a:lnRef>
+          <a:fillRef idx="1">
+            <a:schemeClr val="lt1"/>
+          </a:fillRef>
+          <a:effectRef idx="0">
+            <a:schemeClr val="dk1"/>
+          </a:effectRef>
+          <a:fontRef idx="minor">
+            <a:schemeClr val="dk1"/>
+          </a:fontRef>
+        </p:style>
+        <p:txBody>
+          <a:bodyPr rtlCol="0" anchor="ctr"/>
+          <a:lstStyle/>
+          <a:p>
+            <a:pPr algn="ctr"/>
+            <a:r>
+              <a:rPr lang="en-CA" dirty="0"/>
+              <a:t>l</a:t>
+            </a:r>
+          </a:p>
+        </p:txBody>
+      </p:sp>
+      <p:sp>
+        <p:nvSpPr>
+          <p:cNvPr id="48" name="Овал 47">
+            <a:extLst>
+              <a:ext uri="{FF2B5EF4-FFF2-40B4-BE49-F238E27FC236}">
+                <a16:creationId xmlns:a16="http://schemas.microsoft.com/office/drawing/2014/main" id="{6FD9C28A-9338-438A-9F8D-7FC3BEB8C43C}"/>
+              </a:ext>
+            </a:extLst>
+          </p:cNvPr>
+          <p:cNvSpPr/>
+          <p:nvPr/>
+        </p:nvSpPr>
+        <p:spPr>
+          <a:xfrm>
+            <a:off x="5718629" y="2349134"/>
+            <a:ext cx="478971" cy="478971"/>
+          </a:xfrm>
+          <a:prstGeom prst="ellipse">
+            <a:avLst/>
+          </a:prstGeom>
+        </p:spPr>
+        <p:style>
+          <a:lnRef idx="2">
+            <a:schemeClr val="dk1"/>
+          </a:lnRef>
+          <a:fillRef idx="1">
+            <a:schemeClr val="lt1"/>
+          </a:fillRef>
+          <a:effectRef idx="0">
+            <a:schemeClr val="dk1"/>
+          </a:effectRef>
+          <a:fontRef idx="minor">
+            <a:schemeClr val="dk1"/>
+          </a:fontRef>
+        </p:style>
+        <p:txBody>
+          <a:bodyPr rtlCol="0" anchor="ctr"/>
+          <a:lstStyle/>
+          <a:p>
+            <a:pPr algn="ctr"/>
+            <a:r>
+              <a:rPr lang="en-CA" dirty="0"/>
+              <a:t>m</a:t>
+            </a:r>
+          </a:p>
+        </p:txBody>
+      </p:sp>
+      <p:sp>
+        <p:nvSpPr>
+          <p:cNvPr id="49" name="Овал 48">
+            <a:extLst>
+              <a:ext uri="{FF2B5EF4-FFF2-40B4-BE49-F238E27FC236}">
+                <a16:creationId xmlns:a16="http://schemas.microsoft.com/office/drawing/2014/main" id="{B449D8FB-A49C-47AF-BA85-9CE17BBA2BF8}"/>
+              </a:ext>
+            </a:extLst>
+          </p:cNvPr>
+          <p:cNvSpPr/>
+          <p:nvPr/>
+        </p:nvSpPr>
+        <p:spPr>
+          <a:xfrm>
+            <a:off x="5718629" y="3189512"/>
+            <a:ext cx="478971" cy="478971"/>
+          </a:xfrm>
+          <a:prstGeom prst="ellipse">
+            <a:avLst/>
+          </a:prstGeom>
+        </p:spPr>
+        <p:style>
+          <a:lnRef idx="2">
+            <a:schemeClr val="dk1"/>
+          </a:lnRef>
+          <a:fillRef idx="1">
+            <a:schemeClr val="lt1"/>
+          </a:fillRef>
+          <a:effectRef idx="0">
+            <a:schemeClr val="dk1"/>
+          </a:effectRef>
+          <a:fontRef idx="minor">
+            <a:schemeClr val="dk1"/>
+          </a:fontRef>
+        </p:style>
+        <p:txBody>
+          <a:bodyPr rtlCol="0" anchor="ctr"/>
+          <a:lstStyle/>
+          <a:p>
+            <a:pPr algn="ctr"/>
+            <a:r>
+              <a:rPr lang="en-CA" dirty="0"/>
+              <a:t>n</a:t>
+            </a:r>
+          </a:p>
+        </p:txBody>
+      </p:sp>
+      <p:cxnSp>
+        <p:nvCxnSpPr>
+          <p:cNvPr id="50" name="Прямая соединительная линия 49">
+            <a:extLst>
+              <a:ext uri="{FF2B5EF4-FFF2-40B4-BE49-F238E27FC236}">
+                <a16:creationId xmlns:a16="http://schemas.microsoft.com/office/drawing/2014/main" id="{CE4C8666-D4E3-4820-8A15-C3633620CB1D}"/>
+              </a:ext>
+            </a:extLst>
+          </p:cNvPr>
+          <p:cNvCxnSpPr>
+            <a:stCxn id="36" idx="4"/>
+            <a:endCxn id="39" idx="0"/>
+          </p:cNvCxnSpPr>
+          <p:nvPr/>
+        </p:nvCxnSpPr>
+        <p:spPr>
+          <a:xfrm>
+            <a:off x="569636" y="2828109"/>
+            <a:ext cx="0" cy="361406"/>
+          </a:xfrm>
+          <a:prstGeom prst="line">
+            <a:avLst/>
+          </a:prstGeom>
+        </p:spPr>
+        <p:style>
+          <a:lnRef idx="1">
+            <a:schemeClr val="dk1"/>
+          </a:lnRef>
+          <a:fillRef idx="0">
+            <a:schemeClr val="dk1"/>
+          </a:fillRef>
+          <a:effectRef idx="0">
+            <a:schemeClr val="dk1"/>
+          </a:effectRef>
+          <a:fontRef idx="minor">
+            <a:schemeClr val="tx1"/>
+          </a:fontRef>
+        </p:style>
+      </p:cxnSp>
+      <p:cxnSp>
+        <p:nvCxnSpPr>
+          <p:cNvPr id="51" name="Прямая соединительная линия 50">
+            <a:extLst>
+              <a:ext uri="{FF2B5EF4-FFF2-40B4-BE49-F238E27FC236}">
+                <a16:creationId xmlns:a16="http://schemas.microsoft.com/office/drawing/2014/main" id="{E2873C7E-0D70-4051-AD83-35FCD699312F}"/>
+              </a:ext>
+            </a:extLst>
+          </p:cNvPr>
+          <p:cNvCxnSpPr>
+            <a:stCxn id="39" idx="7"/>
+            <a:endCxn id="37" idx="3"/>
+          </p:cNvCxnSpPr>
+          <p:nvPr/>
+        </p:nvCxnSpPr>
+        <p:spPr>
+          <a:xfrm flipV="1">
+            <a:off x="738977" y="2757965"/>
+            <a:ext cx="562654" cy="501694"/>
+          </a:xfrm>
+          <a:prstGeom prst="line">
+            <a:avLst/>
+          </a:prstGeom>
+        </p:spPr>
+        <p:style>
+          <a:lnRef idx="1">
+            <a:schemeClr val="dk1"/>
+          </a:lnRef>
+          <a:fillRef idx="0">
+            <a:schemeClr val="dk1"/>
+          </a:fillRef>
+          <a:effectRef idx="0">
+            <a:schemeClr val="dk1"/>
+          </a:effectRef>
+          <a:fontRef idx="minor">
+            <a:schemeClr val="tx1"/>
+          </a:fontRef>
+        </p:style>
+      </p:cxnSp>
+      <p:cxnSp>
+        <p:nvCxnSpPr>
+          <p:cNvPr id="52" name="Прямая соединительная линия 51">
+            <a:extLst>
+              <a:ext uri="{FF2B5EF4-FFF2-40B4-BE49-F238E27FC236}">
+                <a16:creationId xmlns:a16="http://schemas.microsoft.com/office/drawing/2014/main" id="{323E7855-2C54-417A-A87D-E0033FE87231}"/>
+              </a:ext>
+            </a:extLst>
+          </p:cNvPr>
+          <p:cNvCxnSpPr>
+            <a:stCxn id="37" idx="4"/>
+            <a:endCxn id="40" idx="0"/>
+          </p:cNvCxnSpPr>
+          <p:nvPr/>
+        </p:nvCxnSpPr>
+        <p:spPr>
+          <a:xfrm flipH="1">
+            <a:off x="1470972" y="2828109"/>
+            <a:ext cx="1" cy="361406"/>
+          </a:xfrm>
+          <a:prstGeom prst="line">
+            <a:avLst/>
+          </a:prstGeom>
+        </p:spPr>
+        <p:style>
+          <a:lnRef idx="1">
+            <a:schemeClr val="dk1"/>
+          </a:lnRef>
+          <a:fillRef idx="0">
+            <a:schemeClr val="dk1"/>
+          </a:fillRef>
+          <a:effectRef idx="0">
+            <a:schemeClr val="dk1"/>
+          </a:effectRef>
+          <a:fontRef idx="minor">
+            <a:schemeClr val="tx1"/>
+          </a:fontRef>
+        </p:style>
+      </p:cxnSp>
+      <p:cxnSp>
+        <p:nvCxnSpPr>
+          <p:cNvPr id="53" name="Прямая соединительная линия 52">
+            <a:extLst>
+              <a:ext uri="{FF2B5EF4-FFF2-40B4-BE49-F238E27FC236}">
+                <a16:creationId xmlns:a16="http://schemas.microsoft.com/office/drawing/2014/main" id="{CD9BA288-4D36-4174-858A-1AF93EBF7BF1}"/>
+              </a:ext>
+            </a:extLst>
+          </p:cNvPr>
+          <p:cNvCxnSpPr>
+            <a:stCxn id="40" idx="7"/>
+            <a:endCxn id="38" idx="3"/>
+          </p:cNvCxnSpPr>
+          <p:nvPr/>
+        </p:nvCxnSpPr>
+        <p:spPr>
+          <a:xfrm flipV="1">
+            <a:off x="1640313" y="2757964"/>
+            <a:ext cx="562655" cy="501695"/>
+          </a:xfrm>
+          <a:prstGeom prst="line">
+            <a:avLst/>
+          </a:prstGeom>
+        </p:spPr>
+        <p:style>
+          <a:lnRef idx="1">
+            <a:schemeClr val="dk1"/>
+          </a:lnRef>
+          <a:fillRef idx="0">
+            <a:schemeClr val="dk1"/>
+          </a:fillRef>
+          <a:effectRef idx="0">
+            <a:schemeClr val="dk1"/>
+          </a:effectRef>
+          <a:fontRef idx="minor">
+            <a:schemeClr val="tx1"/>
+          </a:fontRef>
+        </p:style>
+      </p:cxnSp>
+      <p:cxnSp>
+        <p:nvCxnSpPr>
+          <p:cNvPr id="54" name="Прямая соединительная линия 53">
+            <a:extLst>
+              <a:ext uri="{FF2B5EF4-FFF2-40B4-BE49-F238E27FC236}">
+                <a16:creationId xmlns:a16="http://schemas.microsoft.com/office/drawing/2014/main" id="{8C876130-786A-4B13-B032-D43D2A9EBF1F}"/>
+              </a:ext>
+            </a:extLst>
+          </p:cNvPr>
+          <p:cNvCxnSpPr>
+            <a:stCxn id="38" idx="4"/>
+            <a:endCxn id="41" idx="0"/>
+          </p:cNvCxnSpPr>
+          <p:nvPr/>
+        </p:nvCxnSpPr>
+        <p:spPr>
+          <a:xfrm flipH="1">
+            <a:off x="2372308" y="2828108"/>
+            <a:ext cx="2" cy="363585"/>
+          </a:xfrm>
+          <a:prstGeom prst="line">
+            <a:avLst/>
+          </a:prstGeom>
+        </p:spPr>
+        <p:style>
+          <a:lnRef idx="1">
+            <a:schemeClr val="dk1"/>
+          </a:lnRef>
+          <a:fillRef idx="0">
+            <a:schemeClr val="dk1"/>
+          </a:fillRef>
+          <a:effectRef idx="0">
+            <a:schemeClr val="dk1"/>
+          </a:effectRef>
+          <a:fontRef idx="minor">
+            <a:schemeClr val="tx1"/>
+          </a:fontRef>
+        </p:style>
+      </p:cxnSp>
+      <p:cxnSp>
+        <p:nvCxnSpPr>
+          <p:cNvPr id="55" name="Прямая соединительная линия 54">
+            <a:extLst>
+              <a:ext uri="{FF2B5EF4-FFF2-40B4-BE49-F238E27FC236}">
+                <a16:creationId xmlns:a16="http://schemas.microsoft.com/office/drawing/2014/main" id="{F44C610A-FA43-4935-A404-E8F52DB6C93C}"/>
+              </a:ext>
+            </a:extLst>
+          </p:cNvPr>
+          <p:cNvCxnSpPr>
+            <a:stCxn id="41" idx="7"/>
+            <a:endCxn id="42" idx="3"/>
+          </p:cNvCxnSpPr>
+          <p:nvPr/>
+        </p:nvCxnSpPr>
+        <p:spPr>
+          <a:xfrm flipV="1">
+            <a:off x="2541649" y="2757964"/>
+            <a:ext cx="557771" cy="503873"/>
+          </a:xfrm>
+          <a:prstGeom prst="line">
+            <a:avLst/>
+          </a:prstGeom>
+        </p:spPr>
+        <p:style>
+          <a:lnRef idx="1">
+            <a:schemeClr val="dk1"/>
+          </a:lnRef>
+          <a:fillRef idx="0">
+            <a:schemeClr val="dk1"/>
+          </a:fillRef>
+          <a:effectRef idx="0">
+            <a:schemeClr val="dk1"/>
+          </a:effectRef>
+          <a:fontRef idx="minor">
+            <a:schemeClr val="tx1"/>
+          </a:fontRef>
+        </p:style>
+      </p:cxnSp>
+      <p:cxnSp>
+        <p:nvCxnSpPr>
+          <p:cNvPr id="56" name="Соединитель: уступ 55">
+            <a:extLst>
+              <a:ext uri="{FF2B5EF4-FFF2-40B4-BE49-F238E27FC236}">
+                <a16:creationId xmlns:a16="http://schemas.microsoft.com/office/drawing/2014/main" id="{94002233-CD1A-4715-91A9-F6B4CB395331}"/>
+              </a:ext>
+            </a:extLst>
+          </p:cNvPr>
+          <p:cNvCxnSpPr>
+            <a:stCxn id="41" idx="4"/>
+            <a:endCxn id="46" idx="4"/>
+          </p:cNvCxnSpPr>
+          <p:nvPr/>
+        </p:nvCxnSpPr>
+        <p:spPr>
+          <a:xfrm rot="5400000" flipH="1" flipV="1">
+            <a:off x="3267671" y="2773122"/>
+            <a:ext cx="2179" cy="1792906"/>
+          </a:xfrm>
+          <a:prstGeom prst="bentConnector3">
+            <a:avLst>
+              <a:gd name="adj1" fmla="val -7413676"/>
+            </a:avLst>
+          </a:prstGeom>
+        </p:spPr>
+        <p:style>
+          <a:lnRef idx="1">
+            <a:schemeClr val="dk1"/>
+          </a:lnRef>
+          <a:fillRef idx="0">
+            <a:schemeClr val="dk1"/>
+          </a:fillRef>
+          <a:effectRef idx="0">
+            <a:schemeClr val="dk1"/>
+          </a:effectRef>
+          <a:fontRef idx="minor">
+            <a:schemeClr val="tx1"/>
+          </a:fontRef>
+        </p:style>
+      </p:cxnSp>
+      <p:cxnSp>
+        <p:nvCxnSpPr>
+          <p:cNvPr id="57" name="Прямая соединительная линия 56">
+            <a:extLst>
+              <a:ext uri="{FF2B5EF4-FFF2-40B4-BE49-F238E27FC236}">
+                <a16:creationId xmlns:a16="http://schemas.microsoft.com/office/drawing/2014/main" id="{6E461242-D4AB-4370-AAF1-9EF85E377230}"/>
+              </a:ext>
+            </a:extLst>
+          </p:cNvPr>
+          <p:cNvCxnSpPr>
+            <a:stCxn id="42" idx="6"/>
+            <a:endCxn id="43" idx="2"/>
+          </p:cNvCxnSpPr>
+          <p:nvPr/>
+        </p:nvCxnSpPr>
+        <p:spPr>
+          <a:xfrm flipV="1">
+            <a:off x="3508247" y="2588622"/>
+            <a:ext cx="417480" cy="1"/>
+          </a:xfrm>
+          <a:prstGeom prst="line">
+            <a:avLst/>
+          </a:prstGeom>
+        </p:spPr>
+        <p:style>
+          <a:lnRef idx="1">
+            <a:schemeClr val="dk1"/>
+          </a:lnRef>
+          <a:fillRef idx="0">
+            <a:schemeClr val="dk1"/>
+          </a:fillRef>
+          <a:effectRef idx="0">
+            <a:schemeClr val="dk1"/>
+          </a:effectRef>
+          <a:fontRef idx="minor">
+            <a:schemeClr val="tx1"/>
+          </a:fontRef>
+        </p:style>
+      </p:cxnSp>
+      <p:cxnSp>
+        <p:nvCxnSpPr>
+          <p:cNvPr id="58" name="Прямая соединительная линия 57">
+            <a:extLst>
+              <a:ext uri="{FF2B5EF4-FFF2-40B4-BE49-F238E27FC236}">
+                <a16:creationId xmlns:a16="http://schemas.microsoft.com/office/drawing/2014/main" id="{D9473D7C-09B0-4C8F-A909-6EDE4E3E648C}"/>
+              </a:ext>
+            </a:extLst>
+          </p:cNvPr>
+          <p:cNvCxnSpPr>
+            <a:stCxn id="45" idx="7"/>
+            <a:endCxn id="43" idx="3"/>
+          </p:cNvCxnSpPr>
+          <p:nvPr/>
+        </p:nvCxnSpPr>
+        <p:spPr>
+          <a:xfrm flipV="1">
+            <a:off x="3438102" y="2757963"/>
+            <a:ext cx="557769" cy="501695"/>
+          </a:xfrm>
+          <a:prstGeom prst="line">
+            <a:avLst/>
+          </a:prstGeom>
+        </p:spPr>
+        <p:style>
+          <a:lnRef idx="1">
+            <a:schemeClr val="dk1"/>
+          </a:lnRef>
+          <a:fillRef idx="0">
+            <a:schemeClr val="dk1"/>
+          </a:fillRef>
+          <a:effectRef idx="0">
+            <a:schemeClr val="dk1"/>
+          </a:effectRef>
+          <a:fontRef idx="minor">
+            <a:schemeClr val="tx1"/>
+          </a:fontRef>
+        </p:style>
+      </p:cxnSp>
+      <p:cxnSp>
+        <p:nvCxnSpPr>
+          <p:cNvPr id="59" name="Прямая соединительная линия 58">
+            <a:extLst>
+              <a:ext uri="{FF2B5EF4-FFF2-40B4-BE49-F238E27FC236}">
+                <a16:creationId xmlns:a16="http://schemas.microsoft.com/office/drawing/2014/main" id="{3CFD1457-7B94-4DBA-9289-232F770058DF}"/>
+              </a:ext>
+            </a:extLst>
+          </p:cNvPr>
+          <p:cNvCxnSpPr>
+            <a:stCxn id="43" idx="4"/>
+            <a:endCxn id="46" idx="0"/>
+          </p:cNvCxnSpPr>
+          <p:nvPr/>
+        </p:nvCxnSpPr>
+        <p:spPr>
+          <a:xfrm>
+            <a:off x="4165213" y="2828107"/>
+            <a:ext cx="1" cy="361407"/>
+          </a:xfrm>
+          <a:prstGeom prst="line">
+            <a:avLst/>
+          </a:prstGeom>
+        </p:spPr>
+        <p:style>
+          <a:lnRef idx="1">
+            <a:schemeClr val="dk1"/>
+          </a:lnRef>
+          <a:fillRef idx="0">
+            <a:schemeClr val="dk1"/>
+          </a:fillRef>
+          <a:effectRef idx="0">
+            <a:schemeClr val="dk1"/>
+          </a:effectRef>
+          <a:fontRef idx="minor">
+            <a:schemeClr val="tx1"/>
+          </a:fontRef>
+        </p:style>
+      </p:cxnSp>
+      <p:cxnSp>
+        <p:nvCxnSpPr>
+          <p:cNvPr id="60" name="Прямая соединительная линия 59">
+            <a:extLst>
+              <a:ext uri="{FF2B5EF4-FFF2-40B4-BE49-F238E27FC236}">
+                <a16:creationId xmlns:a16="http://schemas.microsoft.com/office/drawing/2014/main" id="{56EEB256-A69E-47D9-A7A5-91EB5693CB87}"/>
+              </a:ext>
+            </a:extLst>
+          </p:cNvPr>
+          <p:cNvCxnSpPr>
+            <a:stCxn id="46" idx="7"/>
+            <a:endCxn id="44" idx="3"/>
+          </p:cNvCxnSpPr>
+          <p:nvPr/>
+        </p:nvCxnSpPr>
+        <p:spPr>
+          <a:xfrm flipV="1">
+            <a:off x="4334555" y="2757962"/>
+            <a:ext cx="557767" cy="501696"/>
+          </a:xfrm>
+          <a:prstGeom prst="line">
+            <a:avLst/>
+          </a:prstGeom>
+        </p:spPr>
+        <p:style>
+          <a:lnRef idx="1">
+            <a:schemeClr val="dk1"/>
+          </a:lnRef>
+          <a:fillRef idx="0">
+            <a:schemeClr val="dk1"/>
+          </a:fillRef>
+          <a:effectRef idx="0">
+            <a:schemeClr val="dk1"/>
+          </a:effectRef>
+          <a:fontRef idx="minor">
+            <a:schemeClr val="tx1"/>
+          </a:fontRef>
+        </p:style>
+      </p:cxnSp>
+      <p:cxnSp>
+        <p:nvCxnSpPr>
+          <p:cNvPr id="61" name="Соединитель: уступ 60">
+            <a:extLst>
+              <a:ext uri="{FF2B5EF4-FFF2-40B4-BE49-F238E27FC236}">
+                <a16:creationId xmlns:a16="http://schemas.microsoft.com/office/drawing/2014/main" id="{09D91200-C324-4451-B730-96E23BE5985A}"/>
+              </a:ext>
+            </a:extLst>
+          </p:cNvPr>
+          <p:cNvCxnSpPr>
+            <a:cxnSpLocks/>
+            <a:stCxn id="40" idx="4"/>
+            <a:endCxn id="47" idx="4"/>
+          </p:cNvCxnSpPr>
+          <p:nvPr/>
+        </p:nvCxnSpPr>
+        <p:spPr>
+          <a:xfrm rot="5400000" flipH="1" flipV="1">
+            <a:off x="3266317" y="1873139"/>
+            <a:ext cx="2" cy="3590692"/>
+          </a:xfrm>
+          <a:prstGeom prst="bentConnector3">
+            <a:avLst>
+              <a:gd name="adj1" fmla="val -11430000000"/>
+            </a:avLst>
+          </a:prstGeom>
+        </p:spPr>
+        <p:style>
+          <a:lnRef idx="1">
+            <a:schemeClr val="dk1"/>
+          </a:lnRef>
+          <a:fillRef idx="0">
+            <a:schemeClr val="dk1"/>
+          </a:fillRef>
+          <a:effectRef idx="0">
+            <a:schemeClr val="dk1"/>
+          </a:effectRef>
+          <a:fontRef idx="minor">
+            <a:schemeClr val="tx1"/>
+          </a:fontRef>
+        </p:style>
+      </p:cxnSp>
+      <p:cxnSp>
+        <p:nvCxnSpPr>
+          <p:cNvPr id="62" name="Прямая соединительная линия 61">
+            <a:extLst>
+              <a:ext uri="{FF2B5EF4-FFF2-40B4-BE49-F238E27FC236}">
+                <a16:creationId xmlns:a16="http://schemas.microsoft.com/office/drawing/2014/main" id="{128FE0A7-89F9-4F74-91C0-B86B76C03F42}"/>
+              </a:ext>
+            </a:extLst>
+          </p:cNvPr>
+          <p:cNvCxnSpPr>
+            <a:stCxn id="44" idx="4"/>
+            <a:endCxn id="47" idx="0"/>
+          </p:cNvCxnSpPr>
+          <p:nvPr/>
+        </p:nvCxnSpPr>
+        <p:spPr>
+          <a:xfrm>
+            <a:off x="5061664" y="2828106"/>
+            <a:ext cx="0" cy="361407"/>
+          </a:xfrm>
+          <a:prstGeom prst="line">
+            <a:avLst/>
+          </a:prstGeom>
+        </p:spPr>
+        <p:style>
+          <a:lnRef idx="1">
+            <a:schemeClr val="dk1"/>
+          </a:lnRef>
+          <a:fillRef idx="0">
+            <a:schemeClr val="dk1"/>
+          </a:fillRef>
+          <a:effectRef idx="0">
+            <a:schemeClr val="dk1"/>
+          </a:effectRef>
+          <a:fontRef idx="minor">
+            <a:schemeClr val="tx1"/>
+          </a:fontRef>
+        </p:style>
+      </p:cxnSp>
+      <p:cxnSp>
+        <p:nvCxnSpPr>
+          <p:cNvPr id="63" name="Прямая соединительная линия 62">
+            <a:extLst>
+              <a:ext uri="{FF2B5EF4-FFF2-40B4-BE49-F238E27FC236}">
+                <a16:creationId xmlns:a16="http://schemas.microsoft.com/office/drawing/2014/main" id="{2749A87E-2A46-43AA-B660-41CD707BE6E7}"/>
+              </a:ext>
+            </a:extLst>
+          </p:cNvPr>
+          <p:cNvCxnSpPr>
+            <a:stCxn id="47" idx="7"/>
+            <a:endCxn id="48" idx="3"/>
+          </p:cNvCxnSpPr>
+          <p:nvPr/>
+        </p:nvCxnSpPr>
+        <p:spPr>
+          <a:xfrm flipV="1">
+            <a:off x="5231005" y="2757961"/>
+            <a:ext cx="557768" cy="501696"/>
+          </a:xfrm>
+          <a:prstGeom prst="line">
+            <a:avLst/>
+          </a:prstGeom>
+        </p:spPr>
+        <p:style>
+          <a:lnRef idx="3">
+            <a:schemeClr val="accent1"/>
+          </a:lnRef>
+          <a:fillRef idx="0">
+            <a:schemeClr val="accent1"/>
+          </a:fillRef>
+          <a:effectRef idx="2">
+            <a:schemeClr val="accent1"/>
+          </a:effectRef>
+          <a:fontRef idx="minor">
+            <a:schemeClr val="tx1"/>
+          </a:fontRef>
+        </p:style>
+      </p:cxnSp>
+      <p:cxnSp>
+        <p:nvCxnSpPr>
+          <p:cNvPr id="64" name="Соединитель: уступ 63">
+            <a:extLst>
+              <a:ext uri="{FF2B5EF4-FFF2-40B4-BE49-F238E27FC236}">
+                <a16:creationId xmlns:a16="http://schemas.microsoft.com/office/drawing/2014/main" id="{7C14BC1E-334F-4B2C-8D89-A7CED75267CB}"/>
+              </a:ext>
+            </a:extLst>
+          </p:cNvPr>
+          <p:cNvCxnSpPr>
+            <a:cxnSpLocks/>
+            <a:stCxn id="37" idx="1"/>
+            <a:endCxn id="48" idx="0"/>
+          </p:cNvCxnSpPr>
+          <p:nvPr/>
+        </p:nvCxnSpPr>
+        <p:spPr>
+          <a:xfrm rot="5400000" flipH="1" flipV="1">
+            <a:off x="3594799" y="55966"/>
+            <a:ext cx="70148" cy="4656484"/>
+          </a:xfrm>
+          <a:prstGeom prst="bentConnector3">
+            <a:avLst>
+              <a:gd name="adj1" fmla="val 573616"/>
+            </a:avLst>
+          </a:prstGeom>
+        </p:spPr>
+        <p:style>
+          <a:lnRef idx="3">
+            <a:schemeClr val="accent1"/>
+          </a:lnRef>
+          <a:fillRef idx="0">
+            <a:schemeClr val="accent1"/>
+          </a:fillRef>
+          <a:effectRef idx="2">
+            <a:schemeClr val="accent1"/>
+          </a:effectRef>
+          <a:fontRef idx="minor">
+            <a:schemeClr val="tx1"/>
+          </a:fontRef>
+        </p:style>
+      </p:cxnSp>
+      <p:cxnSp>
+        <p:nvCxnSpPr>
+          <p:cNvPr id="65" name="Соединитель: уступ 64">
+            <a:extLst>
+              <a:ext uri="{FF2B5EF4-FFF2-40B4-BE49-F238E27FC236}">
+                <a16:creationId xmlns:a16="http://schemas.microsoft.com/office/drawing/2014/main" id="{80F5398E-78FD-43A9-9932-749A1BFBA1E7}"/>
+              </a:ext>
+            </a:extLst>
+          </p:cNvPr>
+          <p:cNvCxnSpPr>
+            <a:stCxn id="38" idx="0"/>
+            <a:endCxn id="44" idx="0"/>
+          </p:cNvCxnSpPr>
+          <p:nvPr/>
+        </p:nvCxnSpPr>
+        <p:spPr>
+          <a:xfrm rot="5400000" flipH="1" flipV="1">
+            <a:off x="3716986" y="1004459"/>
+            <a:ext cx="2" cy="2689354"/>
+          </a:xfrm>
+          <a:prstGeom prst="bentConnector3">
+            <a:avLst>
+              <a:gd name="adj1" fmla="val 11430100000"/>
+            </a:avLst>
+          </a:prstGeom>
+        </p:spPr>
+        <p:style>
+          <a:lnRef idx="1">
+            <a:schemeClr val="dk1"/>
+          </a:lnRef>
+          <a:fillRef idx="0">
+            <a:schemeClr val="dk1"/>
+          </a:fillRef>
+          <a:effectRef idx="0">
+            <a:schemeClr val="dk1"/>
+          </a:effectRef>
+          <a:fontRef idx="minor">
+            <a:schemeClr val="tx1"/>
+          </a:fontRef>
+        </p:style>
+      </p:cxnSp>
+      <p:cxnSp>
+        <p:nvCxnSpPr>
+          <p:cNvPr id="66" name="Соединитель: уступ 65">
+            <a:extLst>
+              <a:ext uri="{FF2B5EF4-FFF2-40B4-BE49-F238E27FC236}">
+                <a16:creationId xmlns:a16="http://schemas.microsoft.com/office/drawing/2014/main" id="{06365774-8AA1-47EE-B74C-0578553236EA}"/>
+              </a:ext>
+            </a:extLst>
+          </p:cNvPr>
+          <p:cNvCxnSpPr>
+            <a:cxnSpLocks/>
+            <a:stCxn id="39" idx="3"/>
+            <a:endCxn id="49" idx="4"/>
+          </p:cNvCxnSpPr>
+          <p:nvPr/>
+        </p:nvCxnSpPr>
+        <p:spPr>
+          <a:xfrm rot="16200000" flipH="1">
+            <a:off x="3144134" y="854501"/>
+            <a:ext cx="70141" cy="5557821"/>
+          </a:xfrm>
+          <a:prstGeom prst="bentConnector3">
+            <a:avLst>
+              <a:gd name="adj1" fmla="val 617123"/>
+            </a:avLst>
+          </a:prstGeom>
+        </p:spPr>
+        <p:style>
+          <a:lnRef idx="3">
+            <a:schemeClr val="accent1"/>
+          </a:lnRef>
+          <a:fillRef idx="0">
+            <a:schemeClr val="accent1"/>
+          </a:fillRef>
+          <a:effectRef idx="2">
+            <a:schemeClr val="accent1"/>
+          </a:effectRef>
+          <a:fontRef idx="minor">
+            <a:schemeClr val="tx1"/>
+          </a:fontRef>
+        </p:style>
+      </p:cxnSp>
+      <p:cxnSp>
+        <p:nvCxnSpPr>
+          <p:cNvPr id="67" name="Прямая соединительная линия 66">
+            <a:extLst>
+              <a:ext uri="{FF2B5EF4-FFF2-40B4-BE49-F238E27FC236}">
+                <a16:creationId xmlns:a16="http://schemas.microsoft.com/office/drawing/2014/main" id="{6DEA1908-9A5E-4DDF-A87A-6471CC05A045}"/>
+              </a:ext>
+            </a:extLst>
+          </p:cNvPr>
+          <p:cNvCxnSpPr>
+            <a:stCxn id="48" idx="4"/>
+            <a:endCxn id="49" idx="0"/>
+          </p:cNvCxnSpPr>
+          <p:nvPr/>
+        </p:nvCxnSpPr>
+        <p:spPr>
+          <a:xfrm>
+            <a:off x="5958115" y="2828105"/>
+            <a:ext cx="0" cy="361407"/>
+          </a:xfrm>
+          <a:prstGeom prst="line">
+            <a:avLst/>
+          </a:prstGeom>
+        </p:spPr>
+        <p:style>
+          <a:lnRef idx="3">
+            <a:schemeClr val="accent1"/>
+          </a:lnRef>
+          <a:fillRef idx="0">
+            <a:schemeClr val="accent1"/>
+          </a:fillRef>
+          <a:effectRef idx="2">
+            <a:schemeClr val="accent1"/>
+          </a:effectRef>
+          <a:fontRef idx="minor">
+            <a:schemeClr val="tx1"/>
+          </a:fontRef>
+        </p:style>
+      </p:cxnSp>
+      <p:sp>
+        <p:nvSpPr>
+          <p:cNvPr id="68" name="TextBox 67">
+            <a:extLst>
+              <a:ext uri="{FF2B5EF4-FFF2-40B4-BE49-F238E27FC236}">
+                <a16:creationId xmlns:a16="http://schemas.microsoft.com/office/drawing/2014/main" id="{E75721ED-F0AC-49E7-9E6A-903959F0B456}"/>
+              </a:ext>
+            </a:extLst>
+          </p:cNvPr>
+          <p:cNvSpPr txBox="1"/>
+          <p:nvPr/>
+        </p:nvSpPr>
+        <p:spPr>
+          <a:xfrm>
+            <a:off x="1470972" y="731520"/>
+            <a:ext cx="5813748" cy="369332"/>
+          </a:xfrm>
+          <a:prstGeom prst="rect">
+            <a:avLst/>
+          </a:prstGeom>
+          <a:noFill/>
+        </p:spPr>
+        <p:txBody>
+          <a:bodyPr wrap="square" rtlCol="0">
+            <a:spAutoFit/>
+          </a:bodyPr>
+          <a:lstStyle/>
+          <a:p>
+            <a:r>
+              <a:rPr lang="en-CA" dirty="0"/>
+              <a:t>Physical coupling of a new figure</a:t>
+            </a:r>
+          </a:p>
+        </p:txBody>
+      </p:sp>
+      <p:sp>
+        <p:nvSpPr>
+          <p:cNvPr id="2" name="TextBox 1">
+            <a:extLst>
+              <a:ext uri="{FF2B5EF4-FFF2-40B4-BE49-F238E27FC236}">
+                <a16:creationId xmlns:a16="http://schemas.microsoft.com/office/drawing/2014/main" id="{6F59A89F-1CDC-42C4-AD70-CF049E4B4551}"/>
+              </a:ext>
+            </a:extLst>
+          </p:cNvPr>
+          <p:cNvSpPr txBox="1"/>
+          <p:nvPr/>
+        </p:nvSpPr>
+        <p:spPr>
+          <a:xfrm>
+            <a:off x="1004189" y="2111979"/>
+            <a:ext cx="417480" cy="369330"/>
+          </a:xfrm>
+          <a:prstGeom prst="rect">
+            <a:avLst/>
+          </a:prstGeom>
+          <a:noFill/>
+        </p:spPr>
+        <p:txBody>
+          <a:bodyPr wrap="square" rtlCol="0">
+            <a:spAutoFit/>
+          </a:bodyPr>
+          <a:lstStyle/>
+          <a:p>
+            <a:r>
+              <a:rPr lang="en-CA" b="1" dirty="0"/>
+              <a:t>B</a:t>
+            </a:r>
+          </a:p>
+        </p:txBody>
+      </p:sp>
+      <p:sp>
+        <p:nvSpPr>
+          <p:cNvPr id="3" name="Прямоугольник 2">
+            <a:extLst>
+              <a:ext uri="{FF2B5EF4-FFF2-40B4-BE49-F238E27FC236}">
+                <a16:creationId xmlns:a16="http://schemas.microsoft.com/office/drawing/2014/main" id="{E8E52C71-5976-4740-9499-3414D1F14AF1}"/>
+              </a:ext>
+            </a:extLst>
+          </p:cNvPr>
+          <p:cNvSpPr/>
+          <p:nvPr/>
+        </p:nvSpPr>
+        <p:spPr>
+          <a:xfrm>
+            <a:off x="6128412" y="2048829"/>
+            <a:ext cx="336952" cy="523220"/>
+          </a:xfrm>
+          <a:prstGeom prst="rect">
+            <a:avLst/>
+          </a:prstGeom>
+        </p:spPr>
+        <p:txBody>
+          <a:bodyPr wrap="none">
+            <a:spAutoFit/>
+          </a:bodyPr>
+          <a:lstStyle/>
+          <a:p>
+            <a:r>
+              <a:rPr lang="en-CA" sz="2800" dirty="0"/>
+              <a:t>c</a:t>
+            </a:r>
+          </a:p>
+        </p:txBody>
+      </p:sp>
+      <p:sp>
+        <p:nvSpPr>
+          <p:cNvPr id="69" name="Прямоугольник 68">
+            <a:extLst>
+              <a:ext uri="{FF2B5EF4-FFF2-40B4-BE49-F238E27FC236}">
+                <a16:creationId xmlns:a16="http://schemas.microsoft.com/office/drawing/2014/main" id="{0E399103-7BA0-47A7-8C00-2AABD68DDF88}"/>
+              </a:ext>
+            </a:extLst>
+          </p:cNvPr>
+          <p:cNvSpPr/>
+          <p:nvPr/>
+        </p:nvSpPr>
+        <p:spPr>
+          <a:xfrm>
+            <a:off x="62151" y="3453500"/>
+            <a:ext cx="393056" cy="523220"/>
+          </a:xfrm>
+          <a:prstGeom prst="rect">
+            <a:avLst/>
+          </a:prstGeom>
+        </p:spPr>
+        <p:txBody>
+          <a:bodyPr wrap="none">
+            <a:spAutoFit/>
+          </a:bodyPr>
+          <a:lstStyle/>
+          <a:p>
+            <a:r>
+              <a:rPr lang="en-CA" sz="2800" dirty="0"/>
+              <a:t>A</a:t>
+            </a:r>
+          </a:p>
+        </p:txBody>
+      </p:sp>
+      <p:sp>
+        <p:nvSpPr>
+          <p:cNvPr id="70" name="Прямоугольник 69">
+            <a:extLst>
+              <a:ext uri="{FF2B5EF4-FFF2-40B4-BE49-F238E27FC236}">
+                <a16:creationId xmlns:a16="http://schemas.microsoft.com/office/drawing/2014/main" id="{821B2ED6-6DC2-40E8-9D00-A0B320D0DF45}"/>
+              </a:ext>
+            </a:extLst>
+          </p:cNvPr>
+          <p:cNvSpPr/>
+          <p:nvPr/>
+        </p:nvSpPr>
+        <p:spPr>
+          <a:xfrm>
+            <a:off x="5183966" y="3453500"/>
+            <a:ext cx="359394" cy="523220"/>
+          </a:xfrm>
+          <a:prstGeom prst="rect">
+            <a:avLst/>
+          </a:prstGeom>
+        </p:spPr>
+        <p:txBody>
+          <a:bodyPr wrap="none">
+            <a:spAutoFit/>
+          </a:bodyPr>
+          <a:lstStyle/>
+          <a:p>
+            <a:r>
+              <a:rPr lang="en-CA" sz="2800" dirty="0"/>
+              <a:t>E</a:t>
+            </a:r>
+          </a:p>
+        </p:txBody>
+      </p:sp>
+      <p:sp>
+        <p:nvSpPr>
+          <p:cNvPr id="71" name="Прямоугольник 70">
+            <a:extLst>
+              <a:ext uri="{FF2B5EF4-FFF2-40B4-BE49-F238E27FC236}">
+                <a16:creationId xmlns:a16="http://schemas.microsoft.com/office/drawing/2014/main" id="{C9FAE444-BBBD-49AC-A019-98A2728247D3}"/>
+              </a:ext>
+            </a:extLst>
+          </p:cNvPr>
+          <p:cNvSpPr/>
+          <p:nvPr/>
+        </p:nvSpPr>
+        <p:spPr>
+          <a:xfrm>
+            <a:off x="6163136" y="3008808"/>
+            <a:ext cx="405880" cy="523220"/>
+          </a:xfrm>
+          <a:prstGeom prst="rect">
+            <a:avLst/>
+          </a:prstGeom>
+        </p:spPr>
+        <p:txBody>
+          <a:bodyPr wrap="none">
+            <a:spAutoFit/>
+          </a:bodyPr>
+          <a:lstStyle/>
+          <a:p>
+            <a:r>
+              <a:rPr lang="en-CA" sz="2800" dirty="0"/>
+              <a:t>D</a:t>
+            </a:r>
+          </a:p>
+        </p:txBody>
+      </p:sp>
+      <p:sp>
+        <p:nvSpPr>
+          <p:cNvPr id="4" name="TextBox 3">
+            <a:extLst>
+              <a:ext uri="{FF2B5EF4-FFF2-40B4-BE49-F238E27FC236}">
+                <a16:creationId xmlns:a16="http://schemas.microsoft.com/office/drawing/2014/main" id="{BBB2F8E0-FC4C-45AF-8606-D79654AB858E}"/>
+              </a:ext>
+            </a:extLst>
+          </p:cNvPr>
+          <p:cNvSpPr txBox="1"/>
+          <p:nvPr/>
+        </p:nvSpPr>
+        <p:spPr>
+          <a:xfrm>
+            <a:off x="1004189" y="4572000"/>
+            <a:ext cx="1792907" cy="3416320"/>
+          </a:xfrm>
+          <a:prstGeom prst="rect">
+            <a:avLst/>
+          </a:prstGeom>
+          <a:noFill/>
+        </p:spPr>
+        <p:txBody>
+          <a:bodyPr wrap="square" rtlCol="0">
+            <a:spAutoFit/>
+          </a:bodyPr>
+          <a:lstStyle/>
+          <a:p>
+            <a:r>
+              <a:rPr lang="en-CA" dirty="0"/>
+              <a:t>T2 d b</a:t>
+            </a:r>
+          </a:p>
+          <a:p>
+            <a:r>
+              <a:rPr lang="en-CA" dirty="0"/>
+              <a:t>T2 b c</a:t>
+            </a:r>
+          </a:p>
+          <a:p>
+            <a:r>
+              <a:rPr lang="en-CA" dirty="0"/>
+              <a:t>T2 c a</a:t>
+            </a:r>
+          </a:p>
+          <a:p>
+            <a:r>
+              <a:rPr lang="en-CA" dirty="0"/>
+              <a:t>T3 b d c</a:t>
+            </a:r>
+          </a:p>
+          <a:p>
+            <a:r>
+              <a:rPr lang="en-CA" dirty="0"/>
+              <a:t>T2 a b </a:t>
+            </a:r>
+          </a:p>
+          <a:p>
+            <a:r>
+              <a:rPr lang="en-CA" dirty="0"/>
+              <a:t>T3 a c d</a:t>
+            </a:r>
+          </a:p>
+          <a:p>
+            <a:r>
+              <a:rPr lang="en-CA" dirty="0"/>
+              <a:t>T2 b a</a:t>
+            </a:r>
+          </a:p>
+          <a:p>
+            <a:r>
+              <a:rPr lang="en-CA" dirty="0"/>
+              <a:t>T3 b d c</a:t>
+            </a:r>
+          </a:p>
+          <a:p>
+            <a:r>
+              <a:rPr lang="en-CA" dirty="0"/>
+              <a:t>T2 a d</a:t>
+            </a:r>
+          </a:p>
+          <a:p>
+            <a:r>
+              <a:rPr lang="en-CA" dirty="0"/>
+              <a:t>T2 d b</a:t>
+            </a:r>
+          </a:p>
+          <a:p>
+            <a:r>
+              <a:rPr lang="en-CA"/>
+              <a:t>T2 c </a:t>
+            </a:r>
+            <a:r>
+              <a:rPr lang="en-CA" dirty="0"/>
+              <a:t>a</a:t>
+            </a:r>
+          </a:p>
+          <a:p>
+            <a:endParaRPr lang="en-CA" dirty="0"/>
+          </a:p>
+        </p:txBody>
+      </p:sp>
+      <p:sp>
+        <p:nvSpPr>
+          <p:cNvPr id="5" name="Rectangle 1">
+            <a:extLst>
+              <a:ext uri="{FF2B5EF4-FFF2-40B4-BE49-F238E27FC236}">
+                <a16:creationId xmlns:a16="http://schemas.microsoft.com/office/drawing/2014/main" id="{F187B103-8287-4DF6-9128-46815FD84A12}"/>
+              </a:ext>
+            </a:extLst>
+          </p:cNvPr>
+          <p:cNvSpPr>
+            <a:spLocks noChangeArrowheads="1"/>
+          </p:cNvSpPr>
+          <p:nvPr/>
+        </p:nvSpPr>
+        <p:spPr bwMode="auto">
+          <a:xfrm>
+            <a:off x="3112070" y="4296019"/>
+            <a:ext cx="2278011" cy="861774"/>
+          </a:xfrm>
+          <a:prstGeom prst="rect">
+            <a:avLst/>
+          </a:prstGeom>
+          <a:noFill/>
+          <a:ln>
+            <a:noFill/>
+          </a:ln>
+          <a:effectLst/>
+          <a:extLst>
+            <a:ext uri="{909E8E84-426E-40DD-AFC4-6F175D3DCCD1}">
+              <a14:hiddenFill xmlns:a14="http://schemas.microsoft.com/office/drawing/2010/main">
+                <a:solidFill>
+                  <a:schemeClr val="accent1"/>
+                </a:solidFill>
+              </a14:hiddenFill>
+            </a:ext>
+            <a:ext uri="{91240B29-F687-4F45-9708-019B960494DF}">
+              <a14:hiddenLine xmlns:a14="http://schemas.microsoft.com/office/drawing/2010/main" w="9525">
+                <a:solidFill>
+                  <a:schemeClr val="tx1"/>
+                </a:solidFill>
+                <a:miter lim="800000"/>
+                <a:headEnd/>
+                <a:tailEnd/>
+              </a14:hiddenLine>
+            </a:ext>
+            <a:ext uri="{AF507438-7753-43E0-B8FC-AC1667EBCBE1}">
+              <a14:hiddenEffects xmlns:a14="http://schemas.microsoft.com/office/drawing/2010/main">
+                <a:effectLst>
+                  <a:outerShdw dist="35921" dir="2700000" algn="ctr" rotWithShape="0">
+                    <a:schemeClr val="bg2"/>
+                  </a:outerShdw>
+                </a:effectLst>
+              </a14:hiddenEffects>
+            </a:ext>
+          </a:extLst>
+        </p:spPr>
+        <p:txBody>
+          <a:bodyPr vert="horz" wrap="square" lIns="91440" tIns="45720" rIns="91440" bIns="45720" numCol="1" anchor="ctr" anchorCtr="0" compatLnSpc="1">
+            <a:prstTxWarp prst="textNoShape">
+              <a:avLst/>
+            </a:prstTxWarp>
+            <a:spAutoFit/>
+          </a:bodyPr>
+          <a:lstStyle/>
+          <a:p>
+            <a:pPr marL="0" marR="0" lvl="0" indent="0" algn="l" defTabSz="914400" rtl="0" eaLnBrk="0" fontAlgn="base" latinLnBrk="0" hangingPunct="0">
+              <a:lnSpc>
+                <a:spcPct val="100000"/>
+              </a:lnSpc>
+              <a:spcBef>
+                <a:spcPct val="0"/>
+              </a:spcBef>
+              <a:spcAft>
+                <a:spcPct val="0"/>
+              </a:spcAft>
+              <a:buClrTx/>
+              <a:buSzTx/>
+              <a:buFontTx/>
+              <a:buNone/>
+              <a:tabLst/>
+            </a:pPr>
+            <a:r>
+              <a:rPr kumimoji="0" lang="en-US" altLang="en-US" sz="1000" b="0" i="0" u="none" strike="noStrike" cap="none" normalizeH="0" baseline="0" dirty="0">
+                <a:ln>
+                  <a:noFill/>
+                </a:ln>
+                <a:solidFill>
+                  <a:schemeClr val="tx1"/>
+                </a:solidFill>
+                <a:effectLst/>
+                <a:latin typeface="Arial Unicode MS"/>
+              </a:rPr>
+              <a:t>'</a:t>
+            </a:r>
+            <a:r>
+              <a:rPr kumimoji="0" lang="en-US" altLang="en-US" sz="1000" b="0" i="0" u="none" strike="noStrike" cap="none" normalizeH="0" baseline="0" dirty="0" err="1">
+                <a:ln>
+                  <a:noFill/>
+                </a:ln>
+                <a:solidFill>
+                  <a:schemeClr val="tx1"/>
+                </a:solidFill>
+                <a:effectLst/>
+                <a:latin typeface="Arial Unicode MS"/>
+              </a:rPr>
+              <a:t>sw</a:t>
+            </a:r>
+            <a:r>
+              <a:rPr kumimoji="0" lang="en-US" altLang="en-US" sz="1000" b="0" i="0" u="none" strike="noStrike" cap="none" normalizeH="0" baseline="0" dirty="0">
+                <a:ln>
+                  <a:noFill/>
+                </a:ln>
+                <a:solidFill>
+                  <a:schemeClr val="tx1"/>
+                </a:solidFill>
+                <a:effectLst/>
+                <a:latin typeface="Arial Unicode MS"/>
+              </a:rPr>
+              <a:t> b a', 't2 d a', '</a:t>
+            </a:r>
+            <a:r>
+              <a:rPr kumimoji="0" lang="en-US" altLang="en-US" sz="1000" b="0" i="0" u="none" strike="noStrike" cap="none" normalizeH="0" baseline="0" dirty="0" err="1">
+                <a:ln>
+                  <a:noFill/>
+                </a:ln>
+                <a:solidFill>
+                  <a:schemeClr val="tx1"/>
+                </a:solidFill>
+                <a:effectLst/>
+                <a:latin typeface="Arial Unicode MS"/>
+              </a:rPr>
+              <a:t>sw</a:t>
+            </a:r>
+            <a:r>
+              <a:rPr kumimoji="0" lang="en-US" altLang="en-US" sz="1000" b="0" i="0" u="none" strike="noStrike" cap="none" normalizeH="0" baseline="0" dirty="0">
+                <a:ln>
+                  <a:noFill/>
+                </a:ln>
+                <a:solidFill>
+                  <a:schemeClr val="tx1"/>
+                </a:solidFill>
+                <a:effectLst/>
+                <a:latin typeface="Arial Unicode MS"/>
+              </a:rPr>
+              <a:t> b a', 't2 b c\n', '</a:t>
+            </a:r>
+            <a:r>
+              <a:rPr kumimoji="0" lang="en-US" altLang="en-US" sz="1000" b="0" i="0" u="none" strike="noStrike" cap="none" normalizeH="0" baseline="0" dirty="0" err="1">
+                <a:ln>
+                  <a:noFill/>
+                </a:ln>
+                <a:solidFill>
+                  <a:schemeClr val="tx1"/>
+                </a:solidFill>
+                <a:effectLst/>
+                <a:latin typeface="Arial Unicode MS"/>
+              </a:rPr>
+              <a:t>sw</a:t>
+            </a:r>
+            <a:r>
+              <a:rPr kumimoji="0" lang="en-US" altLang="en-US" sz="1000" b="0" i="0" u="none" strike="noStrike" cap="none" normalizeH="0" baseline="0" dirty="0">
+                <a:ln>
+                  <a:noFill/>
+                </a:ln>
+                <a:solidFill>
+                  <a:schemeClr val="tx1"/>
+                </a:solidFill>
+                <a:effectLst/>
+                <a:latin typeface="Arial Unicode MS"/>
+              </a:rPr>
+              <a:t> a b', 't2 c b', '</a:t>
+            </a:r>
+            <a:r>
+              <a:rPr kumimoji="0" lang="en-US" altLang="en-US" sz="1000" b="0" i="0" u="none" strike="noStrike" cap="none" normalizeH="0" baseline="0" dirty="0" err="1">
+                <a:ln>
+                  <a:noFill/>
+                </a:ln>
+                <a:solidFill>
+                  <a:schemeClr val="tx1"/>
+                </a:solidFill>
+                <a:effectLst/>
+                <a:latin typeface="Arial Unicode MS"/>
+              </a:rPr>
+              <a:t>sw</a:t>
+            </a:r>
+            <a:r>
+              <a:rPr kumimoji="0" lang="en-US" altLang="en-US" sz="1000" b="0" i="0" u="none" strike="noStrike" cap="none" normalizeH="0" baseline="0" dirty="0">
+                <a:ln>
+                  <a:noFill/>
+                </a:ln>
+                <a:solidFill>
+                  <a:schemeClr val="tx1"/>
+                </a:solidFill>
+                <a:effectLst/>
+                <a:latin typeface="Arial Unicode MS"/>
+              </a:rPr>
+              <a:t> a b', 't3 b d c\n', 't2 a b\n', 't3 a c d\n', 't2 b a\n', 't3 b d c\n', 't2 a d\n', '</a:t>
+            </a:r>
+            <a:r>
+              <a:rPr kumimoji="0" lang="en-US" altLang="en-US" sz="1000" b="0" i="0" u="none" strike="noStrike" cap="none" normalizeH="0" baseline="0" dirty="0" err="1">
+                <a:ln>
+                  <a:noFill/>
+                </a:ln>
+                <a:solidFill>
+                  <a:schemeClr val="tx1"/>
+                </a:solidFill>
+                <a:effectLst/>
+                <a:latin typeface="Arial Unicode MS"/>
+              </a:rPr>
+              <a:t>sw</a:t>
+            </a:r>
+            <a:r>
+              <a:rPr kumimoji="0" lang="en-US" altLang="en-US" sz="1000" b="0" i="0" u="none" strike="noStrike" cap="none" normalizeH="0" baseline="0" dirty="0">
+                <a:ln>
+                  <a:noFill/>
+                </a:ln>
+                <a:solidFill>
+                  <a:schemeClr val="tx1"/>
+                </a:solidFill>
+                <a:effectLst/>
+                <a:latin typeface="Arial Unicode MS"/>
+              </a:rPr>
+              <a:t> b a', 't2 d a', '</a:t>
+            </a:r>
+            <a:r>
+              <a:rPr kumimoji="0" lang="en-US" altLang="en-US" sz="1000" b="0" i="0" u="none" strike="noStrike" cap="none" normalizeH="0" baseline="0" dirty="0" err="1">
+                <a:ln>
+                  <a:noFill/>
+                </a:ln>
+                <a:solidFill>
+                  <a:schemeClr val="tx1"/>
+                </a:solidFill>
+                <a:effectLst/>
+                <a:latin typeface="Arial Unicode MS"/>
+              </a:rPr>
+              <a:t>sw</a:t>
+            </a:r>
+            <a:r>
+              <a:rPr kumimoji="0" lang="en-US" altLang="en-US" sz="1000" b="0" i="0" u="none" strike="noStrike" cap="none" normalizeH="0" baseline="0" dirty="0">
+                <a:ln>
+                  <a:noFill/>
+                </a:ln>
+                <a:solidFill>
+                  <a:schemeClr val="tx1"/>
+                </a:solidFill>
+                <a:effectLst/>
+                <a:latin typeface="Arial Unicode MS"/>
+              </a:rPr>
+              <a:t> b a', '</a:t>
+            </a:r>
+            <a:r>
+              <a:rPr kumimoji="0" lang="en-US" altLang="en-US" sz="1000" b="0" i="0" u="none" strike="noStrike" cap="none" normalizeH="0" baseline="0" dirty="0" err="1">
+                <a:ln>
+                  <a:noFill/>
+                </a:ln>
+                <a:solidFill>
+                  <a:schemeClr val="tx1"/>
+                </a:solidFill>
+                <a:effectLst/>
+                <a:latin typeface="Arial Unicode MS"/>
+              </a:rPr>
+              <a:t>sw</a:t>
+            </a:r>
+            <a:r>
+              <a:rPr kumimoji="0" lang="en-US" altLang="en-US" sz="1000" b="0" i="0" u="none" strike="noStrike" cap="none" normalizeH="0" baseline="0" dirty="0">
+                <a:ln>
+                  <a:noFill/>
+                </a:ln>
+                <a:solidFill>
+                  <a:schemeClr val="tx1"/>
+                </a:solidFill>
+                <a:effectLst/>
+                <a:latin typeface="Arial Unicode MS"/>
+              </a:rPr>
+              <a:t> a b', 't2 c b', '</a:t>
+            </a:r>
+            <a:r>
+              <a:rPr kumimoji="0" lang="en-US" altLang="en-US" sz="1000" b="0" i="0" u="none" strike="noStrike" cap="none" normalizeH="0" baseline="0" dirty="0" err="1">
+                <a:ln>
+                  <a:noFill/>
+                </a:ln>
+                <a:solidFill>
+                  <a:schemeClr val="tx1"/>
+                </a:solidFill>
+                <a:effectLst/>
+                <a:latin typeface="Arial Unicode MS"/>
+              </a:rPr>
+              <a:t>sw</a:t>
+            </a:r>
+            <a:r>
+              <a:rPr kumimoji="0" lang="en-US" altLang="en-US" sz="1000" b="0" i="0" u="none" strike="noStrike" cap="none" normalizeH="0" baseline="0" dirty="0">
+                <a:ln>
+                  <a:noFill/>
+                </a:ln>
+                <a:solidFill>
+                  <a:schemeClr val="tx1"/>
+                </a:solidFill>
+                <a:effectLst/>
+                <a:latin typeface="Arial Unicode MS"/>
+              </a:rPr>
+              <a:t> a b'</a:t>
+            </a:r>
+            <a:r>
+              <a:rPr kumimoji="0" lang="en-US" altLang="en-US" sz="800" b="0" i="0" u="none" strike="noStrike" cap="none" normalizeH="0" baseline="0" dirty="0">
+                <a:ln>
+                  <a:noFill/>
+                </a:ln>
+                <a:solidFill>
+                  <a:schemeClr val="tx1"/>
+                </a:solidFill>
+                <a:effectLst/>
+              </a:rPr>
+              <a:t> </a:t>
+            </a:r>
+            <a:endParaRPr kumimoji="0" lang="en-US" altLang="en-US" sz="1800" b="0" i="0" u="none" strike="noStrike" cap="none" normalizeH="0" baseline="0" dirty="0">
+              <a:ln>
+                <a:noFill/>
+              </a:ln>
+              <a:solidFill>
+                <a:schemeClr val="tx1"/>
+              </a:solidFill>
+              <a:effectLst/>
+              <a:latin typeface="Arial" panose="020B0604020202020204" pitchFamily="34" charset="0"/>
+            </a:endParaRPr>
+          </a:p>
+        </p:txBody>
+      </p:sp>
+    </p:spTree>
+    <p:extLst>
+      <p:ext uri="{BB962C8B-B14F-4D97-AF65-F5344CB8AC3E}">
+        <p14:creationId xmlns:p14="http://schemas.microsoft.com/office/powerpoint/2010/main" val="162899651"/>
+      </p:ext>
+    </p:extLst>
+  </p:cSld>
+  <p:clrMapOvr>
+    <a:masterClrMapping/>
+  </p:clrMapOvr>
+</p:sld>
+</file>
+
 <file path=ppt/slides/slide2.xml><?xml version="1.0" encoding="utf-8"?>
 <p:sld xmlns:a="http://schemas.openxmlformats.org/drawingml/2006/main" xmlns:r="http://schemas.openxmlformats.org/officeDocument/2006/relationships" xmlns:p="http://schemas.openxmlformats.org/presentationml/2006/main">
   <p:cSld>
